--- a/PPT/感知组寒假培训-day1.pptx
+++ b/PPT/感知组寒假培训-day1.pptx
@@ -5,7 +5,7 @@
     <p:sldMasterId id="2147483648" r:id="rId1"/>
   </p:sldMasterIdLst>
   <p:notesMasterIdLst>
-    <p:notesMasterId r:id="rId23"/>
+    <p:notesMasterId r:id="rId29"/>
   </p:notesMasterIdLst>
   <p:sldIdLst>
     <p:sldId id="256" r:id="rId2"/>
@@ -29,11 +29,17 @@
     <p:sldId id="287" r:id="rId20"/>
     <p:sldId id="266" r:id="rId21"/>
     <p:sldId id="288" r:id="rId22"/>
+    <p:sldId id="289" r:id="rId23"/>
+    <p:sldId id="290" r:id="rId24"/>
+    <p:sldId id="291" r:id="rId25"/>
+    <p:sldId id="292" r:id="rId26"/>
+    <p:sldId id="293" r:id="rId27"/>
+    <p:sldId id="294" r:id="rId28"/>
   </p:sldIdLst>
   <p:sldSz cx="12192000" cy="6858000"/>
   <p:notesSz cx="6858000" cy="9144000"/>
   <p:custDataLst>
-    <p:tags r:id="rId24"/>
+    <p:tags r:id="rId30"/>
   </p:custDataLst>
   <p:defaultTextStyle>
     <a:defPPr>
@@ -4851,7 +4857,7 @@
         <p:spPr>
           <a:xfrm>
             <a:off x="1143000" y="1828800"/>
-            <a:ext cx="9829800" cy="369332"/>
+            <a:ext cx="9829800" cy="923330"/>
           </a:xfrm>
           <a:prstGeom prst="rect">
             <a:avLst/>
@@ -4876,6 +4882,21 @@
               <a:rPr lang="zh-CN" altLang="en-US" dirty="0"/>
               <a:t>中的游戏</a:t>
             </a:r>
+            <a:endParaRPr lang="en-US" altLang="zh-CN" dirty="0"/>
+          </a:p>
+          <a:p>
+            <a:endParaRPr lang="en-US" altLang="zh-CN" dirty="0"/>
+          </a:p>
+          <a:p>
+            <a:r>
+              <a:rPr lang="en-US" altLang="zh-CN" dirty="0"/>
+              <a:t>Pip install </a:t>
+            </a:r>
+            <a:r>
+              <a:rPr lang="en-US" altLang="zh-CN" dirty="0" err="1"/>
+              <a:t>pygame</a:t>
+            </a:r>
+            <a:endParaRPr lang="zh-CN" altLang="en-US" dirty="0"/>
           </a:p>
         </p:txBody>
       </p:sp>
@@ -5387,10 +5408,1573 @@
           </a:p>
         </p:txBody>
       </p:sp>
+      <p:sp>
+        <p:nvSpPr>
+          <p:cNvPr id="6" name="文本框 5">
+            <a:extLst>
+              <a:ext uri="{FF2B5EF4-FFF2-40B4-BE49-F238E27FC236}">
+                <a16:creationId xmlns:a16="http://schemas.microsoft.com/office/drawing/2014/main" id="{1ABDC1E7-754D-4BDB-897B-265052093AA1}"/>
+              </a:ext>
+            </a:extLst>
+          </p:cNvPr>
+          <p:cNvSpPr txBox="1"/>
+          <p:nvPr/>
+        </p:nvSpPr>
+        <p:spPr>
+          <a:xfrm>
+            <a:off x="914400" y="1605776"/>
+            <a:ext cx="10363200" cy="923330"/>
+          </a:xfrm>
+          <a:prstGeom prst="rect">
+            <a:avLst/>
+          </a:prstGeom>
+          <a:noFill/>
+        </p:spPr>
+        <p:txBody>
+          <a:bodyPr wrap="square" rtlCol="0">
+            <a:spAutoFit/>
+          </a:bodyPr>
+          <a:lstStyle/>
+          <a:p>
+            <a:r>
+              <a:rPr lang="en-US" altLang="zh-CN" dirty="0"/>
+              <a:t>Python </a:t>
+            </a:r>
+            <a:r>
+              <a:rPr lang="zh-CN" altLang="en-US" dirty="0"/>
+              <a:t>中提供科学计算的基础软件包</a:t>
+            </a:r>
+            <a:endParaRPr lang="en-US" altLang="zh-CN" dirty="0"/>
+          </a:p>
+          <a:p>
+            <a:r>
+              <a:rPr lang="zh-CN" altLang="en-US" dirty="0"/>
+              <a:t>提供多维数组对象及其多种派生对象，以及用于快速操作数组的函数及</a:t>
+            </a:r>
+            <a:r>
+              <a:rPr lang="en-US" altLang="zh-CN" dirty="0"/>
+              <a:t>API</a:t>
+            </a:r>
+          </a:p>
+          <a:p>
+            <a:r>
+              <a:rPr lang="en-US" altLang="zh-CN" dirty="0" err="1"/>
+              <a:t>Numpy</a:t>
+            </a:r>
+            <a:r>
+              <a:rPr lang="en-US" altLang="zh-CN" dirty="0"/>
+              <a:t> </a:t>
+            </a:r>
+            <a:r>
+              <a:rPr lang="zh-CN" altLang="en-US" dirty="0"/>
+              <a:t>包的核心使 </a:t>
+            </a:r>
+            <a:r>
+              <a:rPr lang="en-US" altLang="zh-CN" dirty="0" err="1"/>
+              <a:t>ndarray</a:t>
+            </a:r>
+            <a:r>
+              <a:rPr lang="en-US" altLang="zh-CN" dirty="0"/>
+              <a:t> </a:t>
+            </a:r>
+            <a:r>
+              <a:rPr lang="zh-CN" altLang="en-US" dirty="0"/>
+              <a:t>对象</a:t>
+            </a:r>
+            <a:endParaRPr lang="en-US" altLang="zh-CN" dirty="0"/>
+          </a:p>
+        </p:txBody>
+      </p:sp>
+      <p:graphicFrame>
+        <p:nvGraphicFramePr>
+          <p:cNvPr id="7" name="表格 6">
+            <a:extLst>
+              <a:ext uri="{FF2B5EF4-FFF2-40B4-BE49-F238E27FC236}">
+                <a16:creationId xmlns:a16="http://schemas.microsoft.com/office/drawing/2014/main" id="{DC5C74C1-CC90-4A55-8F55-BEEF7FC15478}"/>
+              </a:ext>
+            </a:extLst>
+          </p:cNvPr>
+          <p:cNvGraphicFramePr>
+            <a:graphicFrameLocks noGrp="1"/>
+          </p:cNvGraphicFramePr>
+          <p:nvPr>
+            <p:extLst>
+              <p:ext uri="{D42A27DB-BD31-4B8C-83A1-F6EECF244321}">
+                <p14:modId xmlns:p14="http://schemas.microsoft.com/office/powerpoint/2010/main" val="2691351496"/>
+              </p:ext>
+            </p:extLst>
+          </p:nvPr>
+        </p:nvGraphicFramePr>
+        <p:xfrm>
+          <a:off x="914400" y="2778125"/>
+          <a:ext cx="8127999" cy="1854200"/>
+        </p:xfrm>
+        <a:graphic>
+          <a:graphicData uri="http://schemas.openxmlformats.org/drawingml/2006/table">
+            <a:tbl>
+              <a:tblPr firstRow="1" bandRow="1">
+                <a:tableStyleId>{5C22544A-7EE6-4342-B048-85BDC9FD1C3A}</a:tableStyleId>
+              </a:tblPr>
+              <a:tblGrid>
+                <a:gridCol w="2709333">
+                  <a:extLst>
+                    <a:ext uri="{9D8B030D-6E8A-4147-A177-3AD203B41FA5}">
+                      <a16:colId xmlns:a16="http://schemas.microsoft.com/office/drawing/2014/main" val="4272690509"/>
+                    </a:ext>
+                  </a:extLst>
+                </a:gridCol>
+                <a:gridCol w="2709333">
+                  <a:extLst>
+                    <a:ext uri="{9D8B030D-6E8A-4147-A177-3AD203B41FA5}">
+                      <a16:colId xmlns:a16="http://schemas.microsoft.com/office/drawing/2014/main" val="10384500"/>
+                    </a:ext>
+                  </a:extLst>
+                </a:gridCol>
+                <a:gridCol w="2709333">
+                  <a:extLst>
+                    <a:ext uri="{9D8B030D-6E8A-4147-A177-3AD203B41FA5}">
+                      <a16:colId xmlns:a16="http://schemas.microsoft.com/office/drawing/2014/main" val="2355046722"/>
+                    </a:ext>
+                  </a:extLst>
+                </a:gridCol>
+              </a:tblGrid>
+              <a:tr h="370840">
+                <a:tc>
+                  <a:txBody>
+                    <a:bodyPr/>
+                    <a:lstStyle/>
+                    <a:p>
+                      <a:endParaRPr lang="zh-CN" altLang="en-US" dirty="0"/>
+                    </a:p>
+                  </a:txBody>
+                  <a:tcPr/>
+                </a:tc>
+                <a:tc>
+                  <a:txBody>
+                    <a:bodyPr/>
+                    <a:lstStyle/>
+                    <a:p>
+                      <a:endParaRPr lang="zh-CN" altLang="en-US"/>
+                    </a:p>
+                  </a:txBody>
+                  <a:tcPr/>
+                </a:tc>
+                <a:tc>
+                  <a:txBody>
+                    <a:bodyPr/>
+                    <a:lstStyle/>
+                    <a:p>
+                      <a:endParaRPr lang="zh-CN" altLang="en-US"/>
+                    </a:p>
+                  </a:txBody>
+                  <a:tcPr/>
+                </a:tc>
+                <a:extLst>
+                  <a:ext uri="{0D108BD9-81ED-4DB2-BD59-A6C34878D82A}">
+                    <a16:rowId xmlns:a16="http://schemas.microsoft.com/office/drawing/2014/main" val="2980340976"/>
+                  </a:ext>
+                </a:extLst>
+              </a:tr>
+              <a:tr h="370840">
+                <a:tc>
+                  <a:txBody>
+                    <a:bodyPr/>
+                    <a:lstStyle/>
+                    <a:p>
+                      <a:r>
+                        <a:rPr lang="zh-CN" altLang="en-US" dirty="0"/>
+                        <a:t>大小</a:t>
+                      </a:r>
+                    </a:p>
+                  </a:txBody>
+                  <a:tcPr/>
+                </a:tc>
+                <a:tc>
+                  <a:txBody>
+                    <a:bodyPr/>
+                    <a:lstStyle/>
+                    <a:p>
+                      <a:r>
+                        <a:rPr lang="zh-CN" altLang="en-US" dirty="0"/>
+                        <a:t>固定大小</a:t>
+                      </a:r>
+                    </a:p>
+                  </a:txBody>
+                  <a:tcPr/>
+                </a:tc>
+                <a:tc>
+                  <a:txBody>
+                    <a:bodyPr/>
+                    <a:lstStyle/>
+                    <a:p>
+                      <a:r>
+                        <a:rPr lang="zh-CN" altLang="en-US" dirty="0"/>
+                        <a:t>可变大小</a:t>
+                      </a:r>
+                    </a:p>
+                  </a:txBody>
+                  <a:tcPr/>
+                </a:tc>
+                <a:extLst>
+                  <a:ext uri="{0D108BD9-81ED-4DB2-BD59-A6C34878D82A}">
+                    <a16:rowId xmlns:a16="http://schemas.microsoft.com/office/drawing/2014/main" val="558933362"/>
+                  </a:ext>
+                </a:extLst>
+              </a:tr>
+              <a:tr h="370840">
+                <a:tc>
+                  <a:txBody>
+                    <a:bodyPr/>
+                    <a:lstStyle/>
+                    <a:p>
+                      <a:r>
+                        <a:rPr lang="zh-CN" altLang="en-US" dirty="0"/>
+                        <a:t>数据类型</a:t>
+                      </a:r>
+                    </a:p>
+                  </a:txBody>
+                  <a:tcPr/>
+                </a:tc>
+                <a:tc>
+                  <a:txBody>
+                    <a:bodyPr/>
+                    <a:lstStyle/>
+                    <a:p>
+                      <a:r>
+                        <a:rPr lang="zh-CN" altLang="en-US" dirty="0"/>
+                        <a:t>相同的数据类型</a:t>
+                      </a:r>
+                    </a:p>
+                  </a:txBody>
+                  <a:tcPr/>
+                </a:tc>
+                <a:tc>
+                  <a:txBody>
+                    <a:bodyPr/>
+                    <a:lstStyle/>
+                    <a:p>
+                      <a:r>
+                        <a:rPr lang="zh-CN" altLang="en-US" dirty="0"/>
+                        <a:t>允许不同的数据类型</a:t>
+                      </a:r>
+                    </a:p>
+                  </a:txBody>
+                  <a:tcPr/>
+                </a:tc>
+                <a:extLst>
+                  <a:ext uri="{0D108BD9-81ED-4DB2-BD59-A6C34878D82A}">
+                    <a16:rowId xmlns:a16="http://schemas.microsoft.com/office/drawing/2014/main" val="3446899176"/>
+                  </a:ext>
+                </a:extLst>
+              </a:tr>
+              <a:tr h="370840">
+                <a:tc>
+                  <a:txBody>
+                    <a:bodyPr/>
+                    <a:lstStyle/>
+                    <a:p>
+                      <a:r>
+                        <a:rPr lang="zh-CN" altLang="en-US" dirty="0"/>
+                        <a:t>效率</a:t>
+                      </a:r>
+                    </a:p>
+                  </a:txBody>
+                  <a:tcPr/>
+                </a:tc>
+                <a:tc>
+                  <a:txBody>
+                    <a:bodyPr/>
+                    <a:lstStyle/>
+                    <a:p>
+                      <a:r>
+                        <a:rPr lang="zh-CN" altLang="en-US" dirty="0"/>
+                        <a:t>高</a:t>
+                      </a:r>
+                    </a:p>
+                  </a:txBody>
+                  <a:tcPr/>
+                </a:tc>
+                <a:tc>
+                  <a:txBody>
+                    <a:bodyPr/>
+                    <a:lstStyle/>
+                    <a:p>
+                      <a:r>
+                        <a:rPr lang="zh-CN" altLang="en-US" dirty="0"/>
+                        <a:t>低</a:t>
+                      </a:r>
+                    </a:p>
+                  </a:txBody>
+                  <a:tcPr/>
+                </a:tc>
+                <a:extLst>
+                  <a:ext uri="{0D108BD9-81ED-4DB2-BD59-A6C34878D82A}">
+                    <a16:rowId xmlns:a16="http://schemas.microsoft.com/office/drawing/2014/main" val="1567931270"/>
+                  </a:ext>
+                </a:extLst>
+              </a:tr>
+              <a:tr h="370840">
+                <a:tc>
+                  <a:txBody>
+                    <a:bodyPr/>
+                    <a:lstStyle/>
+                    <a:p>
+                      <a:r>
+                        <a:rPr lang="zh-CN" altLang="en-US" dirty="0"/>
+                        <a:t>代码量</a:t>
+                      </a:r>
+                    </a:p>
+                  </a:txBody>
+                  <a:tcPr/>
+                </a:tc>
+                <a:tc>
+                  <a:txBody>
+                    <a:bodyPr/>
+                    <a:lstStyle/>
+                    <a:p>
+                      <a:r>
+                        <a:rPr lang="zh-CN" altLang="en-US" dirty="0"/>
+                        <a:t>少</a:t>
+                      </a:r>
+                    </a:p>
+                  </a:txBody>
+                  <a:tcPr/>
+                </a:tc>
+                <a:tc>
+                  <a:txBody>
+                    <a:bodyPr/>
+                    <a:lstStyle/>
+                    <a:p>
+                      <a:r>
+                        <a:rPr lang="zh-CN" altLang="en-US" dirty="0"/>
+                        <a:t>多</a:t>
+                      </a:r>
+                    </a:p>
+                  </a:txBody>
+                  <a:tcPr/>
+                </a:tc>
+                <a:extLst>
+                  <a:ext uri="{0D108BD9-81ED-4DB2-BD59-A6C34878D82A}">
+                    <a16:rowId xmlns:a16="http://schemas.microsoft.com/office/drawing/2014/main" val="1555612263"/>
+                  </a:ext>
+                </a:extLst>
+              </a:tr>
+            </a:tbl>
+          </a:graphicData>
+        </a:graphic>
+      </p:graphicFrame>
     </p:spTree>
     <p:extLst>
       <p:ext uri="{BB962C8B-B14F-4D97-AF65-F5344CB8AC3E}">
         <p14:creationId xmlns:p14="http://schemas.microsoft.com/office/powerpoint/2010/main" val="157281067"/>
+      </p:ext>
+    </p:extLst>
+  </p:cSld>
+  <p:clrMapOvr>
+    <a:masterClrMapping/>
+  </p:clrMapOvr>
+</p:sld>
+</file>
+
+<file path=ppt/slides/slide22.xml><?xml version="1.0" encoding="utf-8"?>
+<p:sld xmlns:a="http://schemas.openxmlformats.org/drawingml/2006/main" xmlns:r="http://schemas.openxmlformats.org/officeDocument/2006/relationships" xmlns:p="http://schemas.openxmlformats.org/presentationml/2006/main">
+  <p:cSld>
+    <p:spTree>
+      <p:nvGrpSpPr>
+        <p:cNvPr id="1" name=""/>
+        <p:cNvGrpSpPr/>
+        <p:nvPr/>
+      </p:nvGrpSpPr>
+      <p:grpSpPr>
+        <a:xfrm>
+          <a:off x="0" y="0"/>
+          <a:ext cx="0" cy="0"/>
+          <a:chOff x="0" y="0"/>
+          <a:chExt cx="0" cy="0"/>
+        </a:xfrm>
+      </p:grpSpPr>
+      <p:sp>
+        <p:nvSpPr>
+          <p:cNvPr id="2" name="标题 1">
+            <a:extLst>
+              <a:ext uri="{FF2B5EF4-FFF2-40B4-BE49-F238E27FC236}">
+                <a16:creationId xmlns:a16="http://schemas.microsoft.com/office/drawing/2014/main" id="{FD0AC359-D883-4DBF-BC46-FBDB4B1BE9E0}"/>
+              </a:ext>
+            </a:extLst>
+          </p:cNvPr>
+          <p:cNvSpPr>
+            <a:spLocks noGrp="1"/>
+          </p:cNvSpPr>
+          <p:nvPr>
+            <p:ph type="title"/>
+          </p:nvPr>
+        </p:nvSpPr>
+        <p:spPr/>
+        <p:txBody>
+          <a:bodyPr/>
+          <a:lstStyle/>
+          <a:p>
+            <a:r>
+              <a:rPr lang="zh-CN" altLang="en-US" dirty="0"/>
+              <a:t>对比 </a:t>
+            </a:r>
+            <a:r>
+              <a:rPr lang="en-US" altLang="zh-CN" dirty="0" err="1"/>
+              <a:t>ndarray</a:t>
+            </a:r>
+            <a:r>
+              <a:rPr lang="en-US" altLang="zh-CN" dirty="0"/>
+              <a:t> </a:t>
+            </a:r>
+            <a:r>
+              <a:rPr lang="zh-CN" altLang="en-US" dirty="0"/>
+              <a:t>与 </a:t>
+            </a:r>
+            <a:r>
+              <a:rPr lang="en-US" altLang="zh-CN" dirty="0"/>
+              <a:t>list</a:t>
+            </a:r>
+            <a:endParaRPr lang="zh-CN" altLang="en-US" dirty="0"/>
+          </a:p>
+        </p:txBody>
+      </p:sp>
+      <p:sp>
+        <p:nvSpPr>
+          <p:cNvPr id="3" name="页脚占位符 2">
+            <a:extLst>
+              <a:ext uri="{FF2B5EF4-FFF2-40B4-BE49-F238E27FC236}">
+                <a16:creationId xmlns:a16="http://schemas.microsoft.com/office/drawing/2014/main" id="{CC5A0522-6D85-4428-90B1-311A7DE20AC6}"/>
+              </a:ext>
+            </a:extLst>
+          </p:cNvPr>
+          <p:cNvSpPr>
+            <a:spLocks noGrp="1"/>
+          </p:cNvSpPr>
+          <p:nvPr>
+            <p:ph type="ftr" sz="quarter" idx="11"/>
+          </p:nvPr>
+        </p:nvSpPr>
+        <p:spPr/>
+        <p:txBody>
+          <a:bodyPr/>
+          <a:lstStyle/>
+          <a:p>
+            <a:r>
+              <a:rPr lang="en-US" altLang="zh-CN"/>
+              <a:t>www.islide.cc </a:t>
+            </a:r>
+            <a:r>
+              <a:rPr lang="zh-CN" altLang="en-US"/>
+              <a:t>「 让</a:t>
+            </a:r>
+            <a:r>
+              <a:rPr lang="en-US" altLang="zh-CN"/>
+              <a:t>PPT</a:t>
+            </a:r>
+            <a:r>
+              <a:rPr lang="zh-CN" altLang="en-US"/>
+              <a:t>设计简单起来！」</a:t>
+            </a:r>
+          </a:p>
+        </p:txBody>
+      </p:sp>
+      <p:sp>
+        <p:nvSpPr>
+          <p:cNvPr id="4" name="灯片编号占位符 3">
+            <a:extLst>
+              <a:ext uri="{FF2B5EF4-FFF2-40B4-BE49-F238E27FC236}">
+                <a16:creationId xmlns:a16="http://schemas.microsoft.com/office/drawing/2014/main" id="{F004644A-D674-4DEF-89CF-EF1DE2632F8B}"/>
+              </a:ext>
+            </a:extLst>
+          </p:cNvPr>
+          <p:cNvSpPr>
+            <a:spLocks noGrp="1"/>
+          </p:cNvSpPr>
+          <p:nvPr>
+            <p:ph type="sldNum" sz="quarter" idx="12"/>
+          </p:nvPr>
+        </p:nvSpPr>
+        <p:spPr/>
+        <p:txBody>
+          <a:bodyPr/>
+          <a:lstStyle/>
+          <a:p>
+            <a:fld id="{5DD3DB80-B894-403A-B48E-6FDC1A72010E}" type="slidenum">
+              <a:rPr lang="zh-CN" altLang="en-US" smtClean="0"/>
+              <a:t>22</a:t>
+            </a:fld>
+            <a:endParaRPr lang="zh-CN" altLang="en-US"/>
+          </a:p>
+        </p:txBody>
+      </p:sp>
+      <p:pic>
+        <p:nvPicPr>
+          <p:cNvPr id="6" name="图片 5">
+            <a:extLst>
+              <a:ext uri="{FF2B5EF4-FFF2-40B4-BE49-F238E27FC236}">
+                <a16:creationId xmlns:a16="http://schemas.microsoft.com/office/drawing/2014/main" id="{9003396F-768E-40CA-889D-2606977AD071}"/>
+              </a:ext>
+            </a:extLst>
+          </p:cNvPr>
+          <p:cNvPicPr>
+            <a:picLocks noChangeAspect="1"/>
+          </p:cNvPicPr>
+          <p:nvPr/>
+        </p:nvPicPr>
+        <p:blipFill>
+          <a:blip r:embed="rId2"/>
+          <a:stretch>
+            <a:fillRect/>
+          </a:stretch>
+        </p:blipFill>
+        <p:spPr>
+          <a:xfrm>
+            <a:off x="669924" y="1413637"/>
+            <a:ext cx="8409162" cy="3292178"/>
+          </a:xfrm>
+          <a:prstGeom prst="rect">
+            <a:avLst/>
+          </a:prstGeom>
+        </p:spPr>
+      </p:pic>
+      <p:sp>
+        <p:nvSpPr>
+          <p:cNvPr id="7" name="文本框 6">
+            <a:extLst>
+              <a:ext uri="{FF2B5EF4-FFF2-40B4-BE49-F238E27FC236}">
+                <a16:creationId xmlns:a16="http://schemas.microsoft.com/office/drawing/2014/main" id="{BE36F23B-8F8A-4DE7-B4F5-5EB8C3631337}"/>
+              </a:ext>
+            </a:extLst>
+          </p:cNvPr>
+          <p:cNvSpPr txBox="1"/>
+          <p:nvPr/>
+        </p:nvSpPr>
+        <p:spPr>
+          <a:xfrm>
+            <a:off x="669925" y="5033448"/>
+            <a:ext cx="6423103" cy="369332"/>
+          </a:xfrm>
+          <a:prstGeom prst="rect">
+            <a:avLst/>
+          </a:prstGeom>
+          <a:noFill/>
+        </p:spPr>
+        <p:txBody>
+          <a:bodyPr wrap="square" rtlCol="0">
+            <a:spAutoFit/>
+          </a:bodyPr>
+          <a:lstStyle/>
+          <a:p>
+            <a:r>
+              <a:rPr lang="zh-CN" altLang="en-US" dirty="0"/>
+              <a:t>对比二者的运行时间：</a:t>
+            </a:r>
+          </a:p>
+        </p:txBody>
+      </p:sp>
+      <p:pic>
+        <p:nvPicPr>
+          <p:cNvPr id="8" name="图片 7">
+            <a:extLst>
+              <a:ext uri="{FF2B5EF4-FFF2-40B4-BE49-F238E27FC236}">
+                <a16:creationId xmlns:a16="http://schemas.microsoft.com/office/drawing/2014/main" id="{5D714009-9BFD-4F0E-8968-82D89AEE9401}"/>
+              </a:ext>
+            </a:extLst>
+          </p:cNvPr>
+          <p:cNvPicPr>
+            <a:picLocks noChangeAspect="1"/>
+          </p:cNvPicPr>
+          <p:nvPr/>
+        </p:nvPicPr>
+        <p:blipFill>
+          <a:blip r:embed="rId3"/>
+          <a:stretch>
+            <a:fillRect/>
+          </a:stretch>
+        </p:blipFill>
+        <p:spPr>
+          <a:xfrm>
+            <a:off x="549144" y="5343028"/>
+            <a:ext cx="11092121" cy="957188"/>
+          </a:xfrm>
+          <a:prstGeom prst="rect">
+            <a:avLst/>
+          </a:prstGeom>
+        </p:spPr>
+      </p:pic>
+    </p:spTree>
+    <p:extLst>
+      <p:ext uri="{BB962C8B-B14F-4D97-AF65-F5344CB8AC3E}">
+        <p14:creationId xmlns:p14="http://schemas.microsoft.com/office/powerpoint/2010/main" val="2000759520"/>
+      </p:ext>
+    </p:extLst>
+  </p:cSld>
+  <p:clrMapOvr>
+    <a:masterClrMapping/>
+  </p:clrMapOvr>
+</p:sld>
+</file>
+
+<file path=ppt/slides/slide23.xml><?xml version="1.0" encoding="utf-8"?>
+<p:sld xmlns:a="http://schemas.openxmlformats.org/drawingml/2006/main" xmlns:r="http://schemas.openxmlformats.org/officeDocument/2006/relationships" xmlns:p="http://schemas.openxmlformats.org/presentationml/2006/main">
+  <p:cSld>
+    <p:spTree>
+      <p:nvGrpSpPr>
+        <p:cNvPr id="1" name=""/>
+        <p:cNvGrpSpPr/>
+        <p:nvPr/>
+      </p:nvGrpSpPr>
+      <p:grpSpPr>
+        <a:xfrm>
+          <a:off x="0" y="0"/>
+          <a:ext cx="0" cy="0"/>
+          <a:chOff x="0" y="0"/>
+          <a:chExt cx="0" cy="0"/>
+        </a:xfrm>
+      </p:grpSpPr>
+      <p:sp>
+        <p:nvSpPr>
+          <p:cNvPr id="2" name="标题 1">
+            <a:extLst>
+              <a:ext uri="{FF2B5EF4-FFF2-40B4-BE49-F238E27FC236}">
+                <a16:creationId xmlns:a16="http://schemas.microsoft.com/office/drawing/2014/main" id="{FD0AC359-D883-4DBF-BC46-FBDB4B1BE9E0}"/>
+              </a:ext>
+            </a:extLst>
+          </p:cNvPr>
+          <p:cNvSpPr>
+            <a:spLocks noGrp="1"/>
+          </p:cNvSpPr>
+          <p:nvPr>
+            <p:ph type="title"/>
+          </p:nvPr>
+        </p:nvSpPr>
+        <p:spPr/>
+        <p:txBody>
+          <a:bodyPr/>
+          <a:lstStyle/>
+          <a:p>
+            <a:r>
+              <a:rPr lang="en-US" altLang="zh-CN" dirty="0" err="1"/>
+              <a:t>Numpy</a:t>
+            </a:r>
+            <a:r>
+              <a:rPr lang="en-US" altLang="zh-CN" dirty="0"/>
+              <a:t> </a:t>
+            </a:r>
+            <a:r>
+              <a:rPr lang="zh-CN" altLang="en-US" dirty="0"/>
+              <a:t>的两个特征</a:t>
+            </a:r>
+          </a:p>
+        </p:txBody>
+      </p:sp>
+      <p:sp>
+        <p:nvSpPr>
+          <p:cNvPr id="3" name="页脚占位符 2">
+            <a:extLst>
+              <a:ext uri="{FF2B5EF4-FFF2-40B4-BE49-F238E27FC236}">
+                <a16:creationId xmlns:a16="http://schemas.microsoft.com/office/drawing/2014/main" id="{CC5A0522-6D85-4428-90B1-311A7DE20AC6}"/>
+              </a:ext>
+            </a:extLst>
+          </p:cNvPr>
+          <p:cNvSpPr>
+            <a:spLocks noGrp="1"/>
+          </p:cNvSpPr>
+          <p:nvPr>
+            <p:ph type="ftr" sz="quarter" idx="11"/>
+          </p:nvPr>
+        </p:nvSpPr>
+        <p:spPr/>
+        <p:txBody>
+          <a:bodyPr/>
+          <a:lstStyle/>
+          <a:p>
+            <a:r>
+              <a:rPr lang="en-US" altLang="zh-CN"/>
+              <a:t>www.islide.cc </a:t>
+            </a:r>
+            <a:r>
+              <a:rPr lang="zh-CN" altLang="en-US"/>
+              <a:t>「 让</a:t>
+            </a:r>
+            <a:r>
+              <a:rPr lang="en-US" altLang="zh-CN"/>
+              <a:t>PPT</a:t>
+            </a:r>
+            <a:r>
+              <a:rPr lang="zh-CN" altLang="en-US"/>
+              <a:t>设计简单起来！」</a:t>
+            </a:r>
+          </a:p>
+        </p:txBody>
+      </p:sp>
+      <p:sp>
+        <p:nvSpPr>
+          <p:cNvPr id="4" name="灯片编号占位符 3">
+            <a:extLst>
+              <a:ext uri="{FF2B5EF4-FFF2-40B4-BE49-F238E27FC236}">
+                <a16:creationId xmlns:a16="http://schemas.microsoft.com/office/drawing/2014/main" id="{F004644A-D674-4DEF-89CF-EF1DE2632F8B}"/>
+              </a:ext>
+            </a:extLst>
+          </p:cNvPr>
+          <p:cNvSpPr>
+            <a:spLocks noGrp="1"/>
+          </p:cNvSpPr>
+          <p:nvPr>
+            <p:ph type="sldNum" sz="quarter" idx="12"/>
+          </p:nvPr>
+        </p:nvSpPr>
+        <p:spPr/>
+        <p:txBody>
+          <a:bodyPr/>
+          <a:lstStyle/>
+          <a:p>
+            <a:fld id="{5DD3DB80-B894-403A-B48E-6FDC1A72010E}" type="slidenum">
+              <a:rPr lang="zh-CN" altLang="en-US" smtClean="0"/>
+              <a:t>23</a:t>
+            </a:fld>
+            <a:endParaRPr lang="zh-CN" altLang="en-US"/>
+          </a:p>
+        </p:txBody>
+      </p:sp>
+      <p:sp>
+        <p:nvSpPr>
+          <p:cNvPr id="5" name="文本框 4">
+            <a:extLst>
+              <a:ext uri="{FF2B5EF4-FFF2-40B4-BE49-F238E27FC236}">
+                <a16:creationId xmlns:a16="http://schemas.microsoft.com/office/drawing/2014/main" id="{600C6CB1-0B0E-4A89-9E26-F3E34A161FB4}"/>
+              </a:ext>
+            </a:extLst>
+          </p:cNvPr>
+          <p:cNvSpPr txBox="1"/>
+          <p:nvPr/>
+        </p:nvSpPr>
+        <p:spPr>
+          <a:xfrm>
+            <a:off x="669925" y="1494263"/>
+            <a:ext cx="10850562" cy="3693319"/>
+          </a:xfrm>
+          <a:prstGeom prst="rect">
+            <a:avLst/>
+          </a:prstGeom>
+          <a:noFill/>
+        </p:spPr>
+        <p:txBody>
+          <a:bodyPr wrap="square" rtlCol="0">
+            <a:spAutoFit/>
+          </a:bodyPr>
+          <a:lstStyle/>
+          <a:p>
+            <a:r>
+              <a:rPr lang="zh-CN" altLang="en-US" dirty="0"/>
+              <a:t>矢量化：</a:t>
+            </a:r>
+            <a:endParaRPr lang="en-US" altLang="zh-CN" dirty="0"/>
+          </a:p>
+          <a:p>
+            <a:r>
+              <a:rPr lang="en-US" altLang="zh-CN" dirty="0"/>
+              <a:t>	</a:t>
+            </a:r>
+            <a:r>
+              <a:rPr lang="zh-CN" altLang="en-US" dirty="0"/>
+              <a:t>代码中无显式的循环，索引</a:t>
+            </a:r>
+            <a:endParaRPr lang="en-US" altLang="zh-CN" dirty="0"/>
+          </a:p>
+          <a:p>
+            <a:r>
+              <a:rPr lang="en-US" altLang="zh-CN" dirty="0"/>
+              <a:t>	</a:t>
+            </a:r>
+            <a:r>
+              <a:rPr lang="zh-CN" altLang="en-US" dirty="0"/>
+              <a:t>矢量化代码更简洁</a:t>
+            </a:r>
+            <a:endParaRPr lang="en-US" altLang="zh-CN" dirty="0"/>
+          </a:p>
+          <a:p>
+            <a:r>
+              <a:rPr lang="en-US" altLang="zh-CN" dirty="0"/>
+              <a:t>	</a:t>
+            </a:r>
+            <a:r>
+              <a:rPr lang="zh-CN" altLang="en-US" dirty="0"/>
+              <a:t>矢量化的代码错误更少</a:t>
+            </a:r>
+            <a:endParaRPr lang="en-US" altLang="zh-CN" dirty="0"/>
+          </a:p>
+          <a:p>
+            <a:r>
+              <a:rPr lang="en-US" altLang="zh-CN" dirty="0"/>
+              <a:t>	</a:t>
+            </a:r>
+            <a:r>
+              <a:rPr lang="zh-CN" altLang="en-US" dirty="0"/>
+              <a:t>矢量化接近标准数学符号</a:t>
+            </a:r>
+            <a:endParaRPr lang="en-US" altLang="zh-CN" dirty="0"/>
+          </a:p>
+          <a:p>
+            <a:r>
+              <a:rPr lang="zh-CN" altLang="en-US" dirty="0"/>
+              <a:t>广播：</a:t>
+            </a:r>
+            <a:endParaRPr lang="en-US" altLang="zh-CN" dirty="0"/>
+          </a:p>
+          <a:p>
+            <a:r>
+              <a:rPr lang="en-US" altLang="zh-CN" dirty="0"/>
+              <a:t>	</a:t>
+            </a:r>
+            <a:r>
+              <a:rPr lang="zh-CN" altLang="en-US" dirty="0"/>
+              <a:t>广播用于表述在算术运算期间如何处理不同形状的数组</a:t>
+            </a:r>
+            <a:endParaRPr lang="en-US" altLang="zh-CN" dirty="0"/>
+          </a:p>
+          <a:p>
+            <a:r>
+              <a:rPr lang="en-US" altLang="zh-CN" dirty="0"/>
+              <a:t>	</a:t>
+            </a:r>
+            <a:r>
+              <a:rPr lang="zh-CN" altLang="en-US" dirty="0"/>
+              <a:t>在两个数组上操作时，</a:t>
+            </a:r>
+            <a:r>
+              <a:rPr lang="en-US" altLang="zh-CN" dirty="0" err="1"/>
+              <a:t>Numpy</a:t>
+            </a:r>
+            <a:r>
+              <a:rPr lang="en-US" altLang="zh-CN" dirty="0"/>
+              <a:t> </a:t>
+            </a:r>
+            <a:r>
+              <a:rPr lang="zh-CN" altLang="en-US" dirty="0"/>
+              <a:t>在元素级别比较其形状，从后向前进行比较，直到出现维度不兼容或者至少一个数组比较完了全部的维度；</a:t>
+            </a:r>
+            <a:endParaRPr lang="en-US" altLang="zh-CN" dirty="0"/>
+          </a:p>
+          <a:p>
+            <a:r>
+              <a:rPr lang="en-US" altLang="zh-CN" dirty="0"/>
+              <a:t>	</a:t>
+            </a:r>
+            <a:r>
+              <a:rPr lang="zh-CN" altLang="en-US" dirty="0"/>
+              <a:t>两个维度兼容当且仅当</a:t>
+            </a:r>
+            <a:endParaRPr lang="en-US" altLang="zh-CN" dirty="0"/>
+          </a:p>
+          <a:p>
+            <a:r>
+              <a:rPr lang="en-US" altLang="zh-CN" dirty="0"/>
+              <a:t>		</a:t>
+            </a:r>
+            <a:r>
+              <a:rPr lang="zh-CN" altLang="en-US" dirty="0"/>
+              <a:t>他们是相等的</a:t>
+            </a:r>
+            <a:endParaRPr lang="en-US" altLang="zh-CN" dirty="0"/>
+          </a:p>
+          <a:p>
+            <a:r>
+              <a:rPr lang="en-US" altLang="zh-CN" dirty="0"/>
+              <a:t>		</a:t>
+            </a:r>
+            <a:r>
+              <a:rPr lang="zh-CN" altLang="en-US" dirty="0"/>
+              <a:t>他们其中之一是</a:t>
+            </a:r>
+            <a:r>
+              <a:rPr lang="en-US" altLang="zh-CN" dirty="0"/>
+              <a:t>1</a:t>
+            </a:r>
+          </a:p>
+          <a:p>
+            <a:endParaRPr lang="zh-CN" altLang="en-US" dirty="0"/>
+          </a:p>
+        </p:txBody>
+      </p:sp>
+    </p:spTree>
+    <p:extLst>
+      <p:ext uri="{BB962C8B-B14F-4D97-AF65-F5344CB8AC3E}">
+        <p14:creationId xmlns:p14="http://schemas.microsoft.com/office/powerpoint/2010/main" val="649434536"/>
+      </p:ext>
+    </p:extLst>
+  </p:cSld>
+  <p:clrMapOvr>
+    <a:masterClrMapping/>
+  </p:clrMapOvr>
+</p:sld>
+</file>
+
+<file path=ppt/slides/slide24.xml><?xml version="1.0" encoding="utf-8"?>
+<p:sld xmlns:a="http://schemas.openxmlformats.org/drawingml/2006/main" xmlns:r="http://schemas.openxmlformats.org/officeDocument/2006/relationships" xmlns:p="http://schemas.openxmlformats.org/presentationml/2006/main">
+  <p:cSld>
+    <p:spTree>
+      <p:nvGrpSpPr>
+        <p:cNvPr id="1" name=""/>
+        <p:cNvGrpSpPr/>
+        <p:nvPr/>
+      </p:nvGrpSpPr>
+      <p:grpSpPr>
+        <a:xfrm>
+          <a:off x="0" y="0"/>
+          <a:ext cx="0" cy="0"/>
+          <a:chOff x="0" y="0"/>
+          <a:chExt cx="0" cy="0"/>
+        </a:xfrm>
+      </p:grpSpPr>
+      <p:sp>
+        <p:nvSpPr>
+          <p:cNvPr id="2" name="标题 1">
+            <a:extLst>
+              <a:ext uri="{FF2B5EF4-FFF2-40B4-BE49-F238E27FC236}">
+                <a16:creationId xmlns:a16="http://schemas.microsoft.com/office/drawing/2014/main" id="{FD0AC359-D883-4DBF-BC46-FBDB4B1BE9E0}"/>
+              </a:ext>
+            </a:extLst>
+          </p:cNvPr>
+          <p:cNvSpPr>
+            <a:spLocks noGrp="1"/>
+          </p:cNvSpPr>
+          <p:nvPr>
+            <p:ph type="title"/>
+          </p:nvPr>
+        </p:nvSpPr>
+        <p:spPr/>
+        <p:txBody>
+          <a:bodyPr/>
+          <a:lstStyle/>
+          <a:p>
+            <a:r>
+              <a:rPr lang="zh-CN" altLang="en-US" dirty="0"/>
+              <a:t>广播</a:t>
+            </a:r>
+          </a:p>
+        </p:txBody>
+      </p:sp>
+      <p:sp>
+        <p:nvSpPr>
+          <p:cNvPr id="3" name="页脚占位符 2">
+            <a:extLst>
+              <a:ext uri="{FF2B5EF4-FFF2-40B4-BE49-F238E27FC236}">
+                <a16:creationId xmlns:a16="http://schemas.microsoft.com/office/drawing/2014/main" id="{CC5A0522-6D85-4428-90B1-311A7DE20AC6}"/>
+              </a:ext>
+            </a:extLst>
+          </p:cNvPr>
+          <p:cNvSpPr>
+            <a:spLocks noGrp="1"/>
+          </p:cNvSpPr>
+          <p:nvPr>
+            <p:ph type="ftr" sz="quarter" idx="11"/>
+          </p:nvPr>
+        </p:nvSpPr>
+        <p:spPr/>
+        <p:txBody>
+          <a:bodyPr/>
+          <a:lstStyle/>
+          <a:p>
+            <a:r>
+              <a:rPr lang="en-US" altLang="zh-CN"/>
+              <a:t>www.islide.cc </a:t>
+            </a:r>
+            <a:r>
+              <a:rPr lang="zh-CN" altLang="en-US"/>
+              <a:t>「 让</a:t>
+            </a:r>
+            <a:r>
+              <a:rPr lang="en-US" altLang="zh-CN"/>
+              <a:t>PPT</a:t>
+            </a:r>
+            <a:r>
+              <a:rPr lang="zh-CN" altLang="en-US"/>
+              <a:t>设计简单起来！」</a:t>
+            </a:r>
+          </a:p>
+        </p:txBody>
+      </p:sp>
+      <p:sp>
+        <p:nvSpPr>
+          <p:cNvPr id="4" name="灯片编号占位符 3">
+            <a:extLst>
+              <a:ext uri="{FF2B5EF4-FFF2-40B4-BE49-F238E27FC236}">
+                <a16:creationId xmlns:a16="http://schemas.microsoft.com/office/drawing/2014/main" id="{F004644A-D674-4DEF-89CF-EF1DE2632F8B}"/>
+              </a:ext>
+            </a:extLst>
+          </p:cNvPr>
+          <p:cNvSpPr>
+            <a:spLocks noGrp="1"/>
+          </p:cNvSpPr>
+          <p:nvPr>
+            <p:ph type="sldNum" sz="quarter" idx="12"/>
+          </p:nvPr>
+        </p:nvSpPr>
+        <p:spPr/>
+        <p:txBody>
+          <a:bodyPr/>
+          <a:lstStyle/>
+          <a:p>
+            <a:fld id="{5DD3DB80-B894-403A-B48E-6FDC1A72010E}" type="slidenum">
+              <a:rPr lang="zh-CN" altLang="en-US" smtClean="0"/>
+              <a:t>24</a:t>
+            </a:fld>
+            <a:endParaRPr lang="zh-CN" altLang="en-US"/>
+          </a:p>
+        </p:txBody>
+      </p:sp>
+      <p:pic>
+        <p:nvPicPr>
+          <p:cNvPr id="6" name="图片 5">
+            <a:extLst>
+              <a:ext uri="{FF2B5EF4-FFF2-40B4-BE49-F238E27FC236}">
+                <a16:creationId xmlns:a16="http://schemas.microsoft.com/office/drawing/2014/main" id="{35FD19CD-FD9F-4AFF-BC2A-13329394EFB2}"/>
+              </a:ext>
+            </a:extLst>
+          </p:cNvPr>
+          <p:cNvPicPr>
+            <a:picLocks noChangeAspect="1"/>
+          </p:cNvPicPr>
+          <p:nvPr/>
+        </p:nvPicPr>
+        <p:blipFill>
+          <a:blip r:embed="rId2"/>
+          <a:stretch>
+            <a:fillRect/>
+          </a:stretch>
+        </p:blipFill>
+        <p:spPr>
+          <a:xfrm>
+            <a:off x="669924" y="1367914"/>
+            <a:ext cx="10101614" cy="4006974"/>
+          </a:xfrm>
+          <a:prstGeom prst="rect">
+            <a:avLst/>
+          </a:prstGeom>
+        </p:spPr>
+      </p:pic>
+    </p:spTree>
+    <p:extLst>
+      <p:ext uri="{BB962C8B-B14F-4D97-AF65-F5344CB8AC3E}">
+        <p14:creationId xmlns:p14="http://schemas.microsoft.com/office/powerpoint/2010/main" val="3571183710"/>
+      </p:ext>
+    </p:extLst>
+  </p:cSld>
+  <p:clrMapOvr>
+    <a:masterClrMapping/>
+  </p:clrMapOvr>
+</p:sld>
+</file>
+
+<file path=ppt/slides/slide25.xml><?xml version="1.0" encoding="utf-8"?>
+<p:sld xmlns:a="http://schemas.openxmlformats.org/drawingml/2006/main" xmlns:r="http://schemas.openxmlformats.org/officeDocument/2006/relationships" xmlns:p="http://schemas.openxmlformats.org/presentationml/2006/main">
+  <p:cSld>
+    <p:spTree>
+      <p:nvGrpSpPr>
+        <p:cNvPr id="1" name=""/>
+        <p:cNvGrpSpPr/>
+        <p:nvPr/>
+      </p:nvGrpSpPr>
+      <p:grpSpPr>
+        <a:xfrm>
+          <a:off x="0" y="0"/>
+          <a:ext cx="0" cy="0"/>
+          <a:chOff x="0" y="0"/>
+          <a:chExt cx="0" cy="0"/>
+        </a:xfrm>
+      </p:grpSpPr>
+      <p:sp>
+        <p:nvSpPr>
+          <p:cNvPr id="2" name="标题 1">
+            <a:extLst>
+              <a:ext uri="{FF2B5EF4-FFF2-40B4-BE49-F238E27FC236}">
+                <a16:creationId xmlns:a16="http://schemas.microsoft.com/office/drawing/2014/main" id="{FD0AC359-D883-4DBF-BC46-FBDB4B1BE9E0}"/>
+              </a:ext>
+            </a:extLst>
+          </p:cNvPr>
+          <p:cNvSpPr>
+            <a:spLocks noGrp="1"/>
+          </p:cNvSpPr>
+          <p:nvPr>
+            <p:ph type="title"/>
+          </p:nvPr>
+        </p:nvSpPr>
+        <p:spPr/>
+        <p:txBody>
+          <a:bodyPr/>
+          <a:lstStyle/>
+          <a:p>
+            <a:r>
+              <a:rPr lang="zh-CN" altLang="en-US" dirty="0"/>
+              <a:t>关于</a:t>
+            </a:r>
+            <a:r>
+              <a:rPr lang="en-US" altLang="zh-CN" dirty="0" err="1"/>
+              <a:t>Numpy</a:t>
+            </a:r>
+            <a:r>
+              <a:rPr lang="en-US" altLang="zh-CN" dirty="0"/>
+              <a:t> </a:t>
+            </a:r>
+            <a:r>
+              <a:rPr lang="zh-CN" altLang="en-US" dirty="0"/>
+              <a:t>的参考</a:t>
+            </a:r>
+          </a:p>
+        </p:txBody>
+      </p:sp>
+      <p:sp>
+        <p:nvSpPr>
+          <p:cNvPr id="3" name="页脚占位符 2">
+            <a:extLst>
+              <a:ext uri="{FF2B5EF4-FFF2-40B4-BE49-F238E27FC236}">
+                <a16:creationId xmlns:a16="http://schemas.microsoft.com/office/drawing/2014/main" id="{CC5A0522-6D85-4428-90B1-311A7DE20AC6}"/>
+              </a:ext>
+            </a:extLst>
+          </p:cNvPr>
+          <p:cNvSpPr>
+            <a:spLocks noGrp="1"/>
+          </p:cNvSpPr>
+          <p:nvPr>
+            <p:ph type="ftr" sz="quarter" idx="11"/>
+          </p:nvPr>
+        </p:nvSpPr>
+        <p:spPr/>
+        <p:txBody>
+          <a:bodyPr/>
+          <a:lstStyle/>
+          <a:p>
+            <a:r>
+              <a:rPr lang="en-US" altLang="zh-CN"/>
+              <a:t>www.islide.cc </a:t>
+            </a:r>
+            <a:r>
+              <a:rPr lang="zh-CN" altLang="en-US"/>
+              <a:t>「 让</a:t>
+            </a:r>
+            <a:r>
+              <a:rPr lang="en-US" altLang="zh-CN"/>
+              <a:t>PPT</a:t>
+            </a:r>
+            <a:r>
+              <a:rPr lang="zh-CN" altLang="en-US"/>
+              <a:t>设计简单起来！」</a:t>
+            </a:r>
+          </a:p>
+        </p:txBody>
+      </p:sp>
+      <p:sp>
+        <p:nvSpPr>
+          <p:cNvPr id="4" name="灯片编号占位符 3">
+            <a:extLst>
+              <a:ext uri="{FF2B5EF4-FFF2-40B4-BE49-F238E27FC236}">
+                <a16:creationId xmlns:a16="http://schemas.microsoft.com/office/drawing/2014/main" id="{F004644A-D674-4DEF-89CF-EF1DE2632F8B}"/>
+              </a:ext>
+            </a:extLst>
+          </p:cNvPr>
+          <p:cNvSpPr>
+            <a:spLocks noGrp="1"/>
+          </p:cNvSpPr>
+          <p:nvPr>
+            <p:ph type="sldNum" sz="quarter" idx="12"/>
+          </p:nvPr>
+        </p:nvSpPr>
+        <p:spPr/>
+        <p:txBody>
+          <a:bodyPr/>
+          <a:lstStyle/>
+          <a:p>
+            <a:fld id="{5DD3DB80-B894-403A-B48E-6FDC1A72010E}" type="slidenum">
+              <a:rPr lang="zh-CN" altLang="en-US" smtClean="0"/>
+              <a:t>25</a:t>
+            </a:fld>
+            <a:endParaRPr lang="zh-CN" altLang="en-US"/>
+          </a:p>
+        </p:txBody>
+      </p:sp>
+      <p:sp>
+        <p:nvSpPr>
+          <p:cNvPr id="5" name="矩形 4">
+            <a:extLst>
+              <a:ext uri="{FF2B5EF4-FFF2-40B4-BE49-F238E27FC236}">
+                <a16:creationId xmlns:a16="http://schemas.microsoft.com/office/drawing/2014/main" id="{20B5B6C6-9D76-40E7-AB33-2076932CA36F}"/>
+              </a:ext>
+            </a:extLst>
+          </p:cNvPr>
+          <p:cNvSpPr/>
+          <p:nvPr/>
+        </p:nvSpPr>
+        <p:spPr>
+          <a:xfrm>
+            <a:off x="1033991" y="1816977"/>
+            <a:ext cx="6370419" cy="369332"/>
+          </a:xfrm>
+          <a:prstGeom prst="rect">
+            <a:avLst/>
+          </a:prstGeom>
+        </p:spPr>
+        <p:txBody>
+          <a:bodyPr wrap="square">
+            <a:spAutoFit/>
+          </a:bodyPr>
+          <a:lstStyle/>
+          <a:p>
+            <a:r>
+              <a:rPr lang="zh-CN" altLang="en-US" dirty="0"/>
+              <a:t>https://www.numpy.org.cn/index.html</a:t>
+            </a:r>
+          </a:p>
+        </p:txBody>
+      </p:sp>
+    </p:spTree>
+    <p:extLst>
+      <p:ext uri="{BB962C8B-B14F-4D97-AF65-F5344CB8AC3E}">
+        <p14:creationId xmlns:p14="http://schemas.microsoft.com/office/powerpoint/2010/main" val="3213311814"/>
+      </p:ext>
+    </p:extLst>
+  </p:cSld>
+  <p:clrMapOvr>
+    <a:masterClrMapping/>
+  </p:clrMapOvr>
+</p:sld>
+</file>
+
+<file path=ppt/slides/slide26.xml><?xml version="1.0" encoding="utf-8"?>
+<p:sld xmlns:a="http://schemas.openxmlformats.org/drawingml/2006/main" xmlns:r="http://schemas.openxmlformats.org/officeDocument/2006/relationships" xmlns:p="http://schemas.openxmlformats.org/presentationml/2006/main">
+  <p:cSld>
+    <p:spTree>
+      <p:nvGrpSpPr>
+        <p:cNvPr id="1" name=""/>
+        <p:cNvGrpSpPr/>
+        <p:nvPr/>
+      </p:nvGrpSpPr>
+      <p:grpSpPr>
+        <a:xfrm>
+          <a:off x="0" y="0"/>
+          <a:ext cx="0" cy="0"/>
+          <a:chOff x="0" y="0"/>
+          <a:chExt cx="0" cy="0"/>
+        </a:xfrm>
+      </p:grpSpPr>
+      <p:sp>
+        <p:nvSpPr>
+          <p:cNvPr id="2" name="标题 1">
+            <a:extLst>
+              <a:ext uri="{FF2B5EF4-FFF2-40B4-BE49-F238E27FC236}">
+                <a16:creationId xmlns:a16="http://schemas.microsoft.com/office/drawing/2014/main" id="{4484D960-3D10-476C-BD1F-397173454412}"/>
+              </a:ext>
+            </a:extLst>
+          </p:cNvPr>
+          <p:cNvSpPr>
+            <a:spLocks noGrp="1"/>
+          </p:cNvSpPr>
+          <p:nvPr>
+            <p:ph type="title"/>
+          </p:nvPr>
+        </p:nvSpPr>
+        <p:spPr/>
+        <p:txBody>
+          <a:bodyPr/>
+          <a:lstStyle/>
+          <a:p>
+            <a:r>
+              <a:rPr lang="en-US" altLang="zh-CN" dirty="0"/>
+              <a:t>Matplotlib</a:t>
+            </a:r>
+            <a:endParaRPr lang="zh-CN" altLang="en-US" dirty="0"/>
+          </a:p>
+        </p:txBody>
+      </p:sp>
+      <p:sp>
+        <p:nvSpPr>
+          <p:cNvPr id="3" name="页脚占位符 2">
+            <a:extLst>
+              <a:ext uri="{FF2B5EF4-FFF2-40B4-BE49-F238E27FC236}">
+                <a16:creationId xmlns:a16="http://schemas.microsoft.com/office/drawing/2014/main" id="{8731B5A3-AE09-48AC-920A-D1E6613CBA69}"/>
+              </a:ext>
+            </a:extLst>
+          </p:cNvPr>
+          <p:cNvSpPr>
+            <a:spLocks noGrp="1"/>
+          </p:cNvSpPr>
+          <p:nvPr>
+            <p:ph type="ftr" sz="quarter" idx="11"/>
+          </p:nvPr>
+        </p:nvSpPr>
+        <p:spPr/>
+        <p:txBody>
+          <a:bodyPr/>
+          <a:lstStyle/>
+          <a:p>
+            <a:r>
+              <a:rPr lang="en-US" altLang="zh-CN"/>
+              <a:t>www.islide.cc </a:t>
+            </a:r>
+            <a:r>
+              <a:rPr lang="zh-CN" altLang="en-US"/>
+              <a:t>「 让</a:t>
+            </a:r>
+            <a:r>
+              <a:rPr lang="en-US" altLang="zh-CN"/>
+              <a:t>PPT</a:t>
+            </a:r>
+            <a:r>
+              <a:rPr lang="zh-CN" altLang="en-US"/>
+              <a:t>设计简单起来！」</a:t>
+            </a:r>
+          </a:p>
+        </p:txBody>
+      </p:sp>
+      <p:sp>
+        <p:nvSpPr>
+          <p:cNvPr id="4" name="灯片编号占位符 3">
+            <a:extLst>
+              <a:ext uri="{FF2B5EF4-FFF2-40B4-BE49-F238E27FC236}">
+                <a16:creationId xmlns:a16="http://schemas.microsoft.com/office/drawing/2014/main" id="{1737D4C0-7D8B-41A9-A9F0-4FBEF888C4A4}"/>
+              </a:ext>
+            </a:extLst>
+          </p:cNvPr>
+          <p:cNvSpPr>
+            <a:spLocks noGrp="1"/>
+          </p:cNvSpPr>
+          <p:nvPr>
+            <p:ph type="sldNum" sz="quarter" idx="12"/>
+          </p:nvPr>
+        </p:nvSpPr>
+        <p:spPr/>
+        <p:txBody>
+          <a:bodyPr/>
+          <a:lstStyle/>
+          <a:p>
+            <a:fld id="{5DD3DB80-B894-403A-B48E-6FDC1A72010E}" type="slidenum">
+              <a:rPr lang="zh-CN" altLang="en-US" smtClean="0"/>
+              <a:t>26</a:t>
+            </a:fld>
+            <a:endParaRPr lang="zh-CN" altLang="en-US"/>
+          </a:p>
+        </p:txBody>
+      </p:sp>
+      <p:sp>
+        <p:nvSpPr>
+          <p:cNvPr id="5" name="文本框 4">
+            <a:extLst>
+              <a:ext uri="{FF2B5EF4-FFF2-40B4-BE49-F238E27FC236}">
+                <a16:creationId xmlns:a16="http://schemas.microsoft.com/office/drawing/2014/main" id="{66354394-D9A3-4552-8257-7022B865E1C8}"/>
+              </a:ext>
+            </a:extLst>
+          </p:cNvPr>
+          <p:cNvSpPr txBox="1"/>
+          <p:nvPr/>
+        </p:nvSpPr>
+        <p:spPr>
+          <a:xfrm>
+            <a:off x="892098" y="1650380"/>
+            <a:ext cx="10214517" cy="369332"/>
+          </a:xfrm>
+          <a:prstGeom prst="rect">
+            <a:avLst/>
+          </a:prstGeom>
+          <a:noFill/>
+        </p:spPr>
+        <p:txBody>
+          <a:bodyPr wrap="square" rtlCol="0">
+            <a:spAutoFit/>
+          </a:bodyPr>
+          <a:lstStyle/>
+          <a:p>
+            <a:r>
+              <a:rPr lang="en-US" altLang="zh-CN"/>
+              <a:t>HRT19D-detection\Python\image</a:t>
+            </a:r>
+            <a:endParaRPr lang="zh-CN" altLang="en-US" dirty="0"/>
+          </a:p>
+        </p:txBody>
+      </p:sp>
+    </p:spTree>
+    <p:extLst>
+      <p:ext uri="{BB962C8B-B14F-4D97-AF65-F5344CB8AC3E}">
+        <p14:creationId xmlns:p14="http://schemas.microsoft.com/office/powerpoint/2010/main" val="2262870210"/>
+      </p:ext>
+    </p:extLst>
+  </p:cSld>
+  <p:clrMapOvr>
+    <a:masterClrMapping/>
+  </p:clrMapOvr>
+</p:sld>
+</file>
+
+<file path=ppt/slides/slide27.xml><?xml version="1.0" encoding="utf-8"?>
+<p:sld xmlns:a="http://schemas.openxmlformats.org/drawingml/2006/main" xmlns:r="http://schemas.openxmlformats.org/officeDocument/2006/relationships" xmlns:p="http://schemas.openxmlformats.org/presentationml/2006/main">
+  <p:cSld>
+    <p:spTree>
+      <p:nvGrpSpPr>
+        <p:cNvPr id="1" name=""/>
+        <p:cNvGrpSpPr/>
+        <p:nvPr/>
+      </p:nvGrpSpPr>
+      <p:grpSpPr>
+        <a:xfrm>
+          <a:off x="0" y="0"/>
+          <a:ext cx="0" cy="0"/>
+          <a:chOff x="0" y="0"/>
+          <a:chExt cx="0" cy="0"/>
+        </a:xfrm>
+      </p:grpSpPr>
+      <p:sp>
+        <p:nvSpPr>
+          <p:cNvPr id="2" name="标题 1">
+            <a:extLst>
+              <a:ext uri="{FF2B5EF4-FFF2-40B4-BE49-F238E27FC236}">
+                <a16:creationId xmlns:a16="http://schemas.microsoft.com/office/drawing/2014/main" id="{89D2C24D-CBB7-4A16-885C-079594A4DD0B}"/>
+              </a:ext>
+            </a:extLst>
+          </p:cNvPr>
+          <p:cNvSpPr>
+            <a:spLocks noGrp="1"/>
+          </p:cNvSpPr>
+          <p:nvPr>
+            <p:ph type="ctrTitle"/>
+          </p:nvPr>
+        </p:nvSpPr>
+        <p:spPr>
+          <a:xfrm>
+            <a:off x="669925" y="3189249"/>
+            <a:ext cx="4869997" cy="1726500"/>
+          </a:xfrm>
+        </p:spPr>
+        <p:txBody>
+          <a:bodyPr>
+            <a:normAutofit/>
+          </a:bodyPr>
+          <a:lstStyle/>
+          <a:p>
+            <a:pPr marL="457200" indent="-457200">
+              <a:buFont typeface="Arial" panose="020B0604020202020204" pitchFamily="34" charset="0"/>
+              <a:buChar char="•"/>
+            </a:pPr>
+            <a:r>
+              <a:rPr lang="zh-CN" altLang="en-US" dirty="0"/>
+              <a:t>下次准备：</a:t>
+            </a:r>
+            <a:br>
+              <a:rPr lang="en-US" altLang="zh-CN" dirty="0"/>
+            </a:br>
+            <a:r>
+              <a:rPr lang="zh-CN" altLang="en-US" sz="2200" b="0" dirty="0"/>
+              <a:t>下载</a:t>
+            </a:r>
+            <a:r>
+              <a:rPr lang="en-US" altLang="zh-CN" sz="2200" b="0" dirty="0" err="1"/>
+              <a:t>opencv</a:t>
+            </a:r>
+            <a:r>
+              <a:rPr lang="en-US" altLang="zh-CN" sz="2200" b="0" dirty="0"/>
+              <a:t>, </a:t>
+            </a:r>
+            <a:r>
+              <a:rPr lang="zh-CN" altLang="en-US" sz="2200" b="0" dirty="0"/>
+              <a:t>在群里；</a:t>
+            </a:r>
+            <a:br>
+              <a:rPr lang="en-US" altLang="zh-CN" sz="2200" b="0" dirty="0"/>
+            </a:br>
+            <a:r>
+              <a:rPr lang="zh-CN" altLang="en-US" sz="2200" b="0" dirty="0"/>
+              <a:t>下载安装 </a:t>
+            </a:r>
+            <a:r>
+              <a:rPr lang="en-US" altLang="zh-CN" sz="2200" b="0" dirty="0"/>
+              <a:t>VS</a:t>
+            </a:r>
+            <a:endParaRPr lang="zh-CN" altLang="en-US" b="0" dirty="0"/>
+          </a:p>
+        </p:txBody>
+      </p:sp>
+      <p:sp>
+        <p:nvSpPr>
+          <p:cNvPr id="3" name="文本占位符 2">
+            <a:extLst>
+              <a:ext uri="{FF2B5EF4-FFF2-40B4-BE49-F238E27FC236}">
+                <a16:creationId xmlns:a16="http://schemas.microsoft.com/office/drawing/2014/main" id="{83C5E612-F35F-44BC-A4D2-363078E5EED6}"/>
+              </a:ext>
+            </a:extLst>
+          </p:cNvPr>
+          <p:cNvSpPr>
+            <a:spLocks noGrp="1"/>
+          </p:cNvSpPr>
+          <p:nvPr>
+            <p:ph type="body" sz="quarter" idx="17"/>
+          </p:nvPr>
+        </p:nvSpPr>
+        <p:spPr/>
+        <p:txBody>
+          <a:bodyPr>
+            <a:normAutofit lnSpcReduction="10000"/>
+          </a:bodyPr>
+          <a:lstStyle/>
+          <a:p>
+            <a:r>
+              <a:rPr lang="zh-CN" altLang="en-US" dirty="0"/>
+              <a:t>刘心岩</a:t>
+            </a:r>
+          </a:p>
+        </p:txBody>
+      </p:sp>
+      <p:sp>
+        <p:nvSpPr>
+          <p:cNvPr id="4" name="文本占位符 3">
+            <a:extLst>
+              <a:ext uri="{FF2B5EF4-FFF2-40B4-BE49-F238E27FC236}">
+                <a16:creationId xmlns:a16="http://schemas.microsoft.com/office/drawing/2014/main" id="{CB218705-5EE2-4481-AFF5-30F1F417DCB5}"/>
+              </a:ext>
+            </a:extLst>
+          </p:cNvPr>
+          <p:cNvSpPr>
+            <a:spLocks noGrp="1"/>
+          </p:cNvSpPr>
+          <p:nvPr>
+            <p:ph type="body" sz="quarter" idx="18"/>
+          </p:nvPr>
+        </p:nvSpPr>
+        <p:spPr/>
+        <p:txBody>
+          <a:bodyPr>
+            <a:normAutofit lnSpcReduction="10000"/>
+          </a:bodyPr>
+          <a:lstStyle/>
+          <a:p>
+            <a:r>
+              <a:rPr lang="en-US" altLang="zh-CN" dirty="0"/>
+              <a:t>2019</a:t>
+            </a:r>
+            <a:r>
+              <a:rPr lang="zh-CN" altLang="en-US" dirty="0"/>
+              <a:t>年</a:t>
+            </a:r>
+            <a:r>
+              <a:rPr lang="en-US" altLang="zh-CN" dirty="0"/>
+              <a:t>1</a:t>
+            </a:r>
+            <a:r>
+              <a:rPr lang="zh-CN" altLang="en-US" dirty="0"/>
+              <a:t>月</a:t>
+            </a:r>
+            <a:r>
+              <a:rPr lang="en-US" altLang="zh-CN" dirty="0"/>
+              <a:t>14</a:t>
+            </a:r>
+            <a:r>
+              <a:rPr lang="zh-CN" altLang="en-US" dirty="0"/>
+              <a:t>日</a:t>
+            </a:r>
+          </a:p>
+        </p:txBody>
+      </p:sp>
+    </p:spTree>
+    <p:extLst>
+      <p:ext uri="{BB962C8B-B14F-4D97-AF65-F5344CB8AC3E}">
+        <p14:creationId xmlns:p14="http://schemas.microsoft.com/office/powerpoint/2010/main" val="1175327356"/>
       </p:ext>
     </p:extLst>
   </p:cSld>
@@ -6968,14 +8552,14 @@
           <p:nvPr>
             <p:extLst>
               <p:ext uri="{D42A27DB-BD31-4B8C-83A1-F6EECF244321}">
-                <p14:modId xmlns:p14="http://schemas.microsoft.com/office/powerpoint/2010/main" val="431167193"/>
+                <p14:modId xmlns:p14="http://schemas.microsoft.com/office/powerpoint/2010/main" val="3930824962"/>
               </p:ext>
             </p:extLst>
           </p:nvPr>
         </p:nvGraphicFramePr>
         <p:xfrm>
-          <a:off x="1727200" y="2501900"/>
-          <a:ext cx="8127999" cy="2595880"/>
+          <a:off x="1548780" y="1364475"/>
+          <a:ext cx="8127999" cy="3337560"/>
         </p:xfrm>
         <a:graphic>
           <a:graphicData uri="http://schemas.openxmlformats.org/drawingml/2006/table">
@@ -7337,6 +8921,100 @@
                 <a:extLst>
                   <a:ext uri="{0D108BD9-81ED-4DB2-BD59-A6C34878D82A}">
                     <a16:rowId xmlns:a16="http://schemas.microsoft.com/office/drawing/2014/main" val="865907435"/>
+                  </a:ext>
+                </a:extLst>
+              </a:tr>
+              <a:tr h="370840">
+                <a:tc>
+                  <a:txBody>
+                    <a:bodyPr/>
+                    <a:lstStyle/>
+                    <a:p>
+                      <a:r>
+                        <a:rPr lang="zh-CN" altLang="en-US" dirty="0"/>
+                        <a:t>相等</a:t>
+                      </a:r>
+                    </a:p>
+                  </a:txBody>
+                  <a:tcPr/>
+                </a:tc>
+                <a:tc>
+                  <a:txBody>
+                    <a:bodyPr/>
+                    <a:lstStyle/>
+                    <a:p>
+                      <a:r>
+                        <a:rPr lang="en-US" altLang="zh-CN" dirty="0"/>
+                        <a:t>==</a:t>
+                      </a:r>
+                      <a:endParaRPr lang="zh-CN" altLang="en-US" dirty="0"/>
+                    </a:p>
+                  </a:txBody>
+                  <a:tcPr/>
+                </a:tc>
+                <a:tc>
+                  <a:txBody>
+                    <a:bodyPr/>
+                    <a:lstStyle/>
+                    <a:p>
+                      <a:r>
+                        <a:rPr lang="en-US" altLang="zh-CN" dirty="0"/>
+                        <a:t>a==b</a:t>
+                      </a:r>
+                    </a:p>
+                  </a:txBody>
+                  <a:tcPr/>
+                </a:tc>
+                <a:extLst>
+                  <a:ext uri="{0D108BD9-81ED-4DB2-BD59-A6C34878D82A}">
+                    <a16:rowId xmlns:a16="http://schemas.microsoft.com/office/drawing/2014/main" val="3734227243"/>
+                  </a:ext>
+                </a:extLst>
+              </a:tr>
+              <a:tr h="370840">
+                <a:tc>
+                  <a:txBody>
+                    <a:bodyPr/>
+                    <a:lstStyle/>
+                    <a:p>
+                      <a:r>
+                        <a:rPr lang="zh-CN" altLang="en-US" dirty="0"/>
+                        <a:t>完全相等</a:t>
+                      </a:r>
+                    </a:p>
+                  </a:txBody>
+                  <a:tcPr/>
+                </a:tc>
+                <a:tc>
+                  <a:txBody>
+                    <a:bodyPr/>
+                    <a:lstStyle/>
+                    <a:p>
+                      <a:r>
+                        <a:rPr lang="en-US" altLang="zh-CN" dirty="0"/>
+                        <a:t>Is</a:t>
+                      </a:r>
+                      <a:endParaRPr lang="zh-CN" altLang="en-US" dirty="0"/>
+                    </a:p>
+                  </a:txBody>
+                  <a:tcPr/>
+                </a:tc>
+                <a:tc>
+                  <a:txBody>
+                    <a:bodyPr/>
+                    <a:lstStyle/>
+                    <a:p>
+                      <a:r>
+                        <a:rPr lang="en-US" altLang="zh-CN" dirty="0"/>
+                        <a:t>a is b</a:t>
+                      </a:r>
+                    </a:p>
+                  </a:txBody>
+                  <a:tcPr/>
+                </a:tc>
+                <a:extLst>
+                  <a:ext uri="{0D108BD9-81ED-4DB2-BD59-A6C34878D82A}">
+                    <a16:rowId xmlns:a16="http://schemas.microsoft.com/office/drawing/2014/main" val="473032086"/>
                   </a:ext>
                 </a:extLst>
               </a:tr>
